--- a/Bolt.pptx
+++ b/Bolt.pptx
@@ -9,6 +9,7 @@
     <p:sldId id="257" r:id="rId3"/>
     <p:sldId id="258" r:id="rId4"/>
     <p:sldId id="259" r:id="rId5"/>
+    <p:sldId id="260" r:id="rId6"/>
   </p:sldIdLst>
   <p:sldSz cx="12192000" cy="6858000"/>
   <p:notesSz cx="6858000" cy="9144000"/>
@@ -107,6 +108,11 @@
       </a:defRPr>
     </a:lvl9pPr>
   </p:defaultTextStyle>
+  <p:extLst>
+    <p:ext uri="{EFAFB233-063F-42B5-8137-9DF3F51BA10A}">
+      <p15:sldGuideLst xmlns:p15="http://schemas.microsoft.com/office/powerpoint/2012/main"/>
+    </p:ext>
+  </p:extLst>
 </p:presentation>
 </file>
 
@@ -306,7 +312,7 @@
           <a:p>
             <a:fld id="{D7DEA180-8D60-418A-8B03-D5B0DAFA186B}" type="datetimeFigureOut">
               <a:rPr lang="hu-HU" smtClean="0"/>
-              <a:t>2021. 06. 07.</a:t>
+              <a:t>2021. 06. 09.</a:t>
             </a:fld>
             <a:endParaRPr lang="hu-HU"/>
           </a:p>
@@ -527,7 +533,7 @@
           <a:p>
             <a:fld id="{D7DEA180-8D60-418A-8B03-D5B0DAFA186B}" type="datetimeFigureOut">
               <a:rPr lang="hu-HU" smtClean="0"/>
-              <a:t>2021. 06. 07.</a:t>
+              <a:t>2021. 06. 09.</a:t>
             </a:fld>
             <a:endParaRPr lang="hu-HU"/>
           </a:p>
@@ -707,7 +713,7 @@
           <a:p>
             <a:fld id="{D7DEA180-8D60-418A-8B03-D5B0DAFA186B}" type="datetimeFigureOut">
               <a:rPr lang="hu-HU" smtClean="0"/>
-              <a:t>2021. 06. 07.</a:t>
+              <a:t>2021. 06. 09.</a:t>
             </a:fld>
             <a:endParaRPr lang="hu-HU"/>
           </a:p>
@@ -877,7 +883,7 @@
           <a:p>
             <a:fld id="{D7DEA180-8D60-418A-8B03-D5B0DAFA186B}" type="datetimeFigureOut">
               <a:rPr lang="hu-HU" smtClean="0"/>
-              <a:t>2021. 06. 07.</a:t>
+              <a:t>2021. 06. 09.</a:t>
             </a:fld>
             <a:endParaRPr lang="hu-HU"/>
           </a:p>
@@ -1128,7 +1134,7 @@
           <a:p>
             <a:fld id="{D7DEA180-8D60-418A-8B03-D5B0DAFA186B}" type="datetimeFigureOut">
               <a:rPr lang="hu-HU" smtClean="0"/>
-              <a:t>2021. 06. 07.</a:t>
+              <a:t>2021. 06. 09.</a:t>
             </a:fld>
             <a:endParaRPr lang="hu-HU"/>
           </a:p>
@@ -1451,7 +1457,7 @@
           <a:p>
             <a:fld id="{D7DEA180-8D60-418A-8B03-D5B0DAFA186B}" type="datetimeFigureOut">
               <a:rPr lang="hu-HU" smtClean="0"/>
-              <a:t>2021. 06. 07.</a:t>
+              <a:t>2021. 06. 09.</a:t>
             </a:fld>
             <a:endParaRPr lang="hu-HU"/>
           </a:p>
@@ -1875,7 +1881,7 @@
           <a:p>
             <a:fld id="{D7DEA180-8D60-418A-8B03-D5B0DAFA186B}" type="datetimeFigureOut">
               <a:rPr lang="hu-HU" smtClean="0"/>
-              <a:t>2021. 06. 07.</a:t>
+              <a:t>2021. 06. 09.</a:t>
             </a:fld>
             <a:endParaRPr lang="hu-HU"/>
           </a:p>
@@ -1993,7 +1999,7 @@
           <a:p>
             <a:fld id="{D7DEA180-8D60-418A-8B03-D5B0DAFA186B}" type="datetimeFigureOut">
               <a:rPr lang="hu-HU" smtClean="0"/>
-              <a:t>2021. 06. 07.</a:t>
+              <a:t>2021. 06. 09.</a:t>
             </a:fld>
             <a:endParaRPr lang="hu-HU"/>
           </a:p>
@@ -2088,7 +2094,7 @@
           <a:p>
             <a:fld id="{D7DEA180-8D60-418A-8B03-D5B0DAFA186B}" type="datetimeFigureOut">
               <a:rPr lang="hu-HU" smtClean="0"/>
-              <a:t>2021. 06. 07.</a:t>
+              <a:t>2021. 06. 09.</a:t>
             </a:fld>
             <a:endParaRPr lang="hu-HU"/>
           </a:p>
@@ -2378,7 +2384,7 @@
           <a:p>
             <a:fld id="{D7DEA180-8D60-418A-8B03-D5B0DAFA186B}" type="datetimeFigureOut">
               <a:rPr lang="hu-HU" smtClean="0"/>
-              <a:t>2021. 06. 07.</a:t>
+              <a:t>2021. 06. 09.</a:t>
             </a:fld>
             <a:endParaRPr lang="hu-HU"/>
           </a:p>
@@ -2650,7 +2656,7 @@
           <a:p>
             <a:fld id="{D7DEA180-8D60-418A-8B03-D5B0DAFA186B}" type="datetimeFigureOut">
               <a:rPr lang="hu-HU" smtClean="0"/>
-              <a:t>2021. 06. 07.</a:t>
+              <a:t>2021. 06. 09.</a:t>
             </a:fld>
             <a:endParaRPr lang="hu-HU"/>
           </a:p>
@@ -2904,7 +2910,7 @@
           <a:p>
             <a:fld id="{D7DEA180-8D60-418A-8B03-D5B0DAFA186B}" type="datetimeFigureOut">
               <a:rPr lang="hu-HU" smtClean="0"/>
-              <a:t>2021. 06. 07.</a:t>
+              <a:t>2021. 06. 09.</a:t>
             </a:fld>
             <a:endParaRPr lang="hu-HU"/>
           </a:p>
@@ -3514,7 +3520,7 @@
         </p:blipFill>
         <p:spPr>
           <a:xfrm>
-            <a:off x="1698613" y="2503765"/>
+            <a:off x="1219219" y="2503765"/>
             <a:ext cx="3801005" cy="2152950"/>
           </a:xfrm>
           <a:prstGeom prst="rect">
@@ -3550,7 +3556,7 @@
         </p:blipFill>
         <p:spPr>
           <a:xfrm>
-            <a:off x="1698613" y="5064298"/>
+            <a:off x="2905379" y="5101152"/>
             <a:ext cx="2114845" cy="638264"/>
           </a:xfrm>
           <a:prstGeom prst="rect">
@@ -3586,7 +3592,7 @@
         </p:blipFill>
         <p:spPr>
           <a:xfrm>
-            <a:off x="1698613" y="1858024"/>
+            <a:off x="2267115" y="1860243"/>
             <a:ext cx="2753109" cy="238158"/>
           </a:xfrm>
           <a:prstGeom prst="rect">
@@ -3622,7 +3628,7 @@
         </p:blipFill>
         <p:spPr>
           <a:xfrm>
-            <a:off x="1698613" y="1140510"/>
+            <a:off x="3295958" y="1184898"/>
             <a:ext cx="1724266" cy="314369"/>
           </a:xfrm>
           <a:prstGeom prst="rect">
@@ -3630,6 +3636,466 @@
           </a:prstGeom>
         </p:spPr>
       </p:pic>
+      <p:sp>
+        <p:nvSpPr>
+          <p:cNvPr id="2" name="Szövegdoboz 1">
+            <a:extLst>
+              <a:ext uri="{FF2B5EF4-FFF2-40B4-BE49-F238E27FC236}">
+                <a16:creationId xmlns:a16="http://schemas.microsoft.com/office/drawing/2014/main" id="{1DBE0CA3-DF56-45A0-8E3D-EC0A6D611059}"/>
+              </a:ext>
+            </a:extLst>
+          </p:cNvPr>
+          <p:cNvSpPr txBox="1"/>
+          <p:nvPr/>
+        </p:nvSpPr>
+        <p:spPr>
+          <a:xfrm>
+            <a:off x="408373" y="336455"/>
+            <a:ext cx="896645" cy="369332"/>
+          </a:xfrm>
+          <a:prstGeom prst="rect">
+            <a:avLst/>
+          </a:prstGeom>
+          <a:noFill/>
+        </p:spPr>
+        <p:txBody>
+          <a:bodyPr wrap="square" rtlCol="0">
+            <a:spAutoFit/>
+          </a:bodyPr>
+          <a:lstStyle/>
+          <a:p>
+            <a:r>
+              <a:rPr lang="hu-HU" dirty="0"/>
+              <a:t>Main.js</a:t>
+            </a:r>
+          </a:p>
+        </p:txBody>
+      </p:sp>
+      <p:sp>
+        <p:nvSpPr>
+          <p:cNvPr id="3" name="Szövegdoboz 2">
+            <a:extLst>
+              <a:ext uri="{FF2B5EF4-FFF2-40B4-BE49-F238E27FC236}">
+                <a16:creationId xmlns:a16="http://schemas.microsoft.com/office/drawing/2014/main" id="{07AA7FAB-003E-40A6-BE68-90CAAD55A123}"/>
+              </a:ext>
+            </a:extLst>
+          </p:cNvPr>
+          <p:cNvSpPr txBox="1"/>
+          <p:nvPr/>
+        </p:nvSpPr>
+        <p:spPr>
+          <a:xfrm>
+            <a:off x="6095999" y="1157416"/>
+            <a:ext cx="2426564" cy="369332"/>
+          </a:xfrm>
+          <a:prstGeom prst="rect">
+            <a:avLst/>
+          </a:prstGeom>
+          <a:noFill/>
+        </p:spPr>
+        <p:txBody>
+          <a:bodyPr wrap="square" rtlCol="0">
+            <a:spAutoFit/>
+          </a:bodyPr>
+          <a:lstStyle/>
+          <a:p>
+            <a:pPr marL="285750" indent="-285750">
+              <a:buFont typeface="Wingdings" panose="05000000000000000000" pitchFamily="2" charset="2"/>
+              <a:buChar char="Ø"/>
+            </a:pPr>
+            <a:r>
+              <a:rPr lang="hu-HU" dirty="0"/>
+              <a:t>Vue-route telepítése</a:t>
+            </a:r>
+          </a:p>
+        </p:txBody>
+      </p:sp>
+      <p:sp>
+        <p:nvSpPr>
+          <p:cNvPr id="10" name="Szövegdoboz 9">
+            <a:extLst>
+              <a:ext uri="{FF2B5EF4-FFF2-40B4-BE49-F238E27FC236}">
+                <a16:creationId xmlns:a16="http://schemas.microsoft.com/office/drawing/2014/main" id="{43B14638-28A8-470D-98FA-FA19611E42E2}"/>
+              </a:ext>
+            </a:extLst>
+          </p:cNvPr>
+          <p:cNvSpPr txBox="1"/>
+          <p:nvPr/>
+        </p:nvSpPr>
+        <p:spPr>
+          <a:xfrm>
+            <a:off x="6095998" y="2569450"/>
+            <a:ext cx="3030247" cy="369332"/>
+          </a:xfrm>
+          <a:prstGeom prst="rect">
+            <a:avLst/>
+          </a:prstGeom>
+          <a:noFill/>
+        </p:spPr>
+        <p:txBody>
+          <a:bodyPr wrap="square" rtlCol="0">
+            <a:spAutoFit/>
+          </a:bodyPr>
+          <a:lstStyle/>
+          <a:p>
+            <a:pPr marL="285750" indent="-285750">
+              <a:buFont typeface="Wingdings" panose="05000000000000000000" pitchFamily="2" charset="2"/>
+              <a:buChar char="Ø"/>
+            </a:pPr>
+            <a:r>
+              <a:rPr lang="hu-HU" dirty="0"/>
+              <a:t>Komponensek importálása</a:t>
+            </a:r>
+          </a:p>
+        </p:txBody>
+      </p:sp>
+      <p:sp>
+        <p:nvSpPr>
+          <p:cNvPr id="12" name="Szövegdoboz 11">
+            <a:extLst>
+              <a:ext uri="{FF2B5EF4-FFF2-40B4-BE49-F238E27FC236}">
+                <a16:creationId xmlns:a16="http://schemas.microsoft.com/office/drawing/2014/main" id="{7AEEDFCA-3330-4650-BD05-1AB96E7038FB}"/>
+              </a:ext>
+            </a:extLst>
+          </p:cNvPr>
+          <p:cNvSpPr txBox="1"/>
+          <p:nvPr/>
+        </p:nvSpPr>
+        <p:spPr>
+          <a:xfrm>
+            <a:off x="6095998" y="1794656"/>
+            <a:ext cx="2559730" cy="369332"/>
+          </a:xfrm>
+          <a:prstGeom prst="rect">
+            <a:avLst/>
+          </a:prstGeom>
+          <a:noFill/>
+        </p:spPr>
+        <p:txBody>
+          <a:bodyPr wrap="square" rtlCol="0">
+            <a:spAutoFit/>
+          </a:bodyPr>
+          <a:lstStyle/>
+          <a:p>
+            <a:pPr marL="285750" indent="-285750">
+              <a:buFont typeface="Wingdings" panose="05000000000000000000" pitchFamily="2" charset="2"/>
+              <a:buChar char="Ø"/>
+            </a:pPr>
+            <a:r>
+              <a:rPr lang="hu-HU" dirty="0"/>
+              <a:t>Route importálása</a:t>
+            </a:r>
+          </a:p>
+        </p:txBody>
+      </p:sp>
+      <p:cxnSp>
+        <p:nvCxnSpPr>
+          <p:cNvPr id="6" name="Egyenes összekötő nyíllal 5">
+            <a:extLst>
+              <a:ext uri="{FF2B5EF4-FFF2-40B4-BE49-F238E27FC236}">
+                <a16:creationId xmlns:a16="http://schemas.microsoft.com/office/drawing/2014/main" id="{D521E0AC-F9D5-403F-B7ED-29DD277403EE}"/>
+              </a:ext>
+            </a:extLst>
+          </p:cNvPr>
+          <p:cNvCxnSpPr>
+            <a:stCxn id="10" idx="1"/>
+          </p:cNvCxnSpPr>
+          <p:nvPr/>
+        </p:nvCxnSpPr>
+        <p:spPr>
+          <a:xfrm flipH="1">
+            <a:off x="4580878" y="2754116"/>
+            <a:ext cx="1515120" cy="68983"/>
+          </a:xfrm>
+          <a:prstGeom prst="straightConnector1">
+            <a:avLst/>
+          </a:prstGeom>
+          <a:ln>
+            <a:solidFill>
+              <a:schemeClr val="bg2">
+                <a:lumMod val="90000"/>
+              </a:schemeClr>
+            </a:solidFill>
+            <a:tailEnd type="triangle"/>
+          </a:ln>
+        </p:spPr>
+        <p:style>
+          <a:lnRef idx="3">
+            <a:schemeClr val="dk1"/>
+          </a:lnRef>
+          <a:fillRef idx="0">
+            <a:schemeClr val="dk1"/>
+          </a:fillRef>
+          <a:effectRef idx="2">
+            <a:schemeClr val="dk1"/>
+          </a:effectRef>
+          <a:fontRef idx="minor">
+            <a:schemeClr val="tx1"/>
+          </a:fontRef>
+        </p:style>
+      </p:cxnSp>
+      <p:cxnSp>
+        <p:nvCxnSpPr>
+          <p:cNvPr id="14" name="Egyenes összekötő nyíllal 13">
+            <a:extLst>
+              <a:ext uri="{FF2B5EF4-FFF2-40B4-BE49-F238E27FC236}">
+                <a16:creationId xmlns:a16="http://schemas.microsoft.com/office/drawing/2014/main" id="{786BA7A0-A0FD-4BEA-A8B0-91CEF47DD5F9}"/>
+              </a:ext>
+            </a:extLst>
+          </p:cNvPr>
+          <p:cNvCxnSpPr>
+            <a:cxnSpLocks/>
+          </p:cNvCxnSpPr>
+          <p:nvPr/>
+        </p:nvCxnSpPr>
+        <p:spPr>
+          <a:xfrm flipH="1" flipV="1">
+            <a:off x="4882718" y="1971185"/>
+            <a:ext cx="1213280" cy="4923"/>
+          </a:xfrm>
+          <a:prstGeom prst="straightConnector1">
+            <a:avLst/>
+          </a:prstGeom>
+          <a:ln>
+            <a:solidFill>
+              <a:schemeClr val="bg2">
+                <a:lumMod val="90000"/>
+              </a:schemeClr>
+            </a:solidFill>
+            <a:tailEnd type="triangle"/>
+          </a:ln>
+        </p:spPr>
+        <p:style>
+          <a:lnRef idx="3">
+            <a:schemeClr val="dk1"/>
+          </a:lnRef>
+          <a:fillRef idx="0">
+            <a:schemeClr val="dk1"/>
+          </a:fillRef>
+          <a:effectRef idx="2">
+            <a:schemeClr val="dk1"/>
+          </a:effectRef>
+          <a:fontRef idx="minor">
+            <a:schemeClr val="tx1"/>
+          </a:fontRef>
+        </p:style>
+      </p:cxnSp>
+      <p:cxnSp>
+        <p:nvCxnSpPr>
+          <p:cNvPr id="16" name="Egyenes összekötő nyíllal 15">
+            <a:extLst>
+              <a:ext uri="{FF2B5EF4-FFF2-40B4-BE49-F238E27FC236}">
+                <a16:creationId xmlns:a16="http://schemas.microsoft.com/office/drawing/2014/main" id="{853042FF-3074-4FC1-8087-779DCEB4FC66}"/>
+              </a:ext>
+            </a:extLst>
+          </p:cNvPr>
+          <p:cNvCxnSpPr>
+            <a:cxnSpLocks/>
+          </p:cNvCxnSpPr>
+          <p:nvPr/>
+        </p:nvCxnSpPr>
+        <p:spPr>
+          <a:xfrm flipH="1" flipV="1">
+            <a:off x="4882718" y="1322286"/>
+            <a:ext cx="1213280" cy="4923"/>
+          </a:xfrm>
+          <a:prstGeom prst="straightConnector1">
+            <a:avLst/>
+          </a:prstGeom>
+          <a:ln>
+            <a:solidFill>
+              <a:schemeClr val="bg2">
+                <a:lumMod val="90000"/>
+              </a:schemeClr>
+            </a:solidFill>
+            <a:tailEnd type="triangle"/>
+          </a:ln>
+        </p:spPr>
+        <p:style>
+          <a:lnRef idx="3">
+            <a:schemeClr val="dk1"/>
+          </a:lnRef>
+          <a:fillRef idx="0">
+            <a:schemeClr val="dk1"/>
+          </a:fillRef>
+          <a:effectRef idx="2">
+            <a:schemeClr val="dk1"/>
+          </a:effectRef>
+          <a:fontRef idx="minor">
+            <a:schemeClr val="tx1"/>
+          </a:fontRef>
+        </p:style>
+      </p:cxnSp>
+      <p:sp>
+        <p:nvSpPr>
+          <p:cNvPr id="18" name="Szövegdoboz 17">
+            <a:extLst>
+              <a:ext uri="{FF2B5EF4-FFF2-40B4-BE49-F238E27FC236}">
+                <a16:creationId xmlns:a16="http://schemas.microsoft.com/office/drawing/2014/main" id="{C08B821F-BF23-4DD5-AD6E-1526DF3457EC}"/>
+              </a:ext>
+            </a:extLst>
+          </p:cNvPr>
+          <p:cNvSpPr txBox="1"/>
+          <p:nvPr/>
+        </p:nvSpPr>
+        <p:spPr>
+          <a:xfrm>
+            <a:off x="6095997" y="3429000"/>
+            <a:ext cx="3030247" cy="369332"/>
+          </a:xfrm>
+          <a:prstGeom prst="rect">
+            <a:avLst/>
+          </a:prstGeom>
+          <a:noFill/>
+        </p:spPr>
+        <p:txBody>
+          <a:bodyPr wrap="square" rtlCol="0">
+            <a:spAutoFit/>
+          </a:bodyPr>
+          <a:lstStyle/>
+          <a:p>
+            <a:pPr marL="285750" indent="-285750">
+              <a:buFont typeface="Wingdings" panose="05000000000000000000" pitchFamily="2" charset="2"/>
+              <a:buChar char="Ø"/>
+            </a:pPr>
+            <a:r>
+              <a:rPr lang="hu-HU" dirty="0"/>
+              <a:t>Route indítása</a:t>
+            </a:r>
+          </a:p>
+        </p:txBody>
+      </p:sp>
+      <p:cxnSp>
+        <p:nvCxnSpPr>
+          <p:cNvPr id="19" name="Egyenes összekötő nyíllal 18">
+            <a:extLst>
+              <a:ext uri="{FF2B5EF4-FFF2-40B4-BE49-F238E27FC236}">
+                <a16:creationId xmlns:a16="http://schemas.microsoft.com/office/drawing/2014/main" id="{DCFE9F67-641F-4921-9D33-EDE022766F62}"/>
+              </a:ext>
+            </a:extLst>
+          </p:cNvPr>
+          <p:cNvCxnSpPr>
+            <a:cxnSpLocks/>
+          </p:cNvCxnSpPr>
+          <p:nvPr/>
+        </p:nvCxnSpPr>
+        <p:spPr>
+          <a:xfrm flipH="1">
+            <a:off x="3409025" y="3578060"/>
+            <a:ext cx="2686972" cy="138730"/>
+          </a:xfrm>
+          <a:prstGeom prst="straightConnector1">
+            <a:avLst/>
+          </a:prstGeom>
+          <a:ln>
+            <a:solidFill>
+              <a:schemeClr val="bg2">
+                <a:lumMod val="90000"/>
+              </a:schemeClr>
+            </a:solidFill>
+            <a:tailEnd type="triangle"/>
+          </a:ln>
+        </p:spPr>
+        <p:style>
+          <a:lnRef idx="3">
+            <a:schemeClr val="dk1"/>
+          </a:lnRef>
+          <a:fillRef idx="0">
+            <a:schemeClr val="dk1"/>
+          </a:fillRef>
+          <a:effectRef idx="2">
+            <a:schemeClr val="dk1"/>
+          </a:effectRef>
+          <a:fontRef idx="minor">
+            <a:schemeClr val="tx1"/>
+          </a:fontRef>
+        </p:style>
+      </p:cxnSp>
+      <p:sp>
+        <p:nvSpPr>
+          <p:cNvPr id="21" name="Szövegdoboz 20">
+            <a:extLst>
+              <a:ext uri="{FF2B5EF4-FFF2-40B4-BE49-F238E27FC236}">
+                <a16:creationId xmlns:a16="http://schemas.microsoft.com/office/drawing/2014/main" id="{2FD741CA-0517-4C3C-B7AB-B68FE9C64881}"/>
+              </a:ext>
+            </a:extLst>
+          </p:cNvPr>
+          <p:cNvSpPr txBox="1"/>
+          <p:nvPr/>
+        </p:nvSpPr>
+        <p:spPr>
+          <a:xfrm>
+            <a:off x="6131508" y="5235618"/>
+            <a:ext cx="3030247" cy="369332"/>
+          </a:xfrm>
+          <a:prstGeom prst="rect">
+            <a:avLst/>
+          </a:prstGeom>
+          <a:noFill/>
+        </p:spPr>
+        <p:txBody>
+          <a:bodyPr wrap="square" rtlCol="0">
+            <a:spAutoFit/>
+          </a:bodyPr>
+          <a:lstStyle/>
+          <a:p>
+            <a:pPr marL="285750" indent="-285750">
+              <a:buFont typeface="Wingdings" panose="05000000000000000000" pitchFamily="2" charset="2"/>
+              <a:buChar char="Ø"/>
+            </a:pPr>
+            <a:r>
+              <a:rPr lang="hu-HU" dirty="0"/>
+              <a:t>Fő oldalra csatolás</a:t>
+            </a:r>
+          </a:p>
+        </p:txBody>
+      </p:sp>
+      <p:cxnSp>
+        <p:nvCxnSpPr>
+          <p:cNvPr id="22" name="Egyenes összekötő nyíllal 21">
+            <a:extLst>
+              <a:ext uri="{FF2B5EF4-FFF2-40B4-BE49-F238E27FC236}">
+                <a16:creationId xmlns:a16="http://schemas.microsoft.com/office/drawing/2014/main" id="{CA3502E5-C3A9-4C3B-84B3-D943ED3F79CB}"/>
+              </a:ext>
+            </a:extLst>
+          </p:cNvPr>
+          <p:cNvCxnSpPr>
+            <a:cxnSpLocks/>
+          </p:cNvCxnSpPr>
+          <p:nvPr/>
+        </p:nvCxnSpPr>
+        <p:spPr>
+          <a:xfrm flipH="1">
+            <a:off x="4752511" y="5400231"/>
+            <a:ext cx="1373077" cy="34492"/>
+          </a:xfrm>
+          <a:prstGeom prst="straightConnector1">
+            <a:avLst/>
+          </a:prstGeom>
+          <a:ln>
+            <a:solidFill>
+              <a:schemeClr val="bg2">
+                <a:lumMod val="90000"/>
+              </a:schemeClr>
+            </a:solidFill>
+            <a:tailEnd type="triangle"/>
+          </a:ln>
+        </p:spPr>
+        <p:style>
+          <a:lnRef idx="3">
+            <a:schemeClr val="dk1"/>
+          </a:lnRef>
+          <a:fillRef idx="0">
+            <a:schemeClr val="dk1"/>
+          </a:fillRef>
+          <a:effectRef idx="2">
+            <a:schemeClr val="dk1"/>
+          </a:effectRef>
+          <a:fontRef idx="minor">
+            <a:schemeClr val="tx1"/>
+          </a:fontRef>
+        </p:style>
+      </p:cxnSp>
     </p:spTree>
     <p:extLst>
       <p:ext uri="{BB962C8B-B14F-4D97-AF65-F5344CB8AC3E}">
@@ -3690,15 +4156,7 @@
           <a:p>
             <a:r>
               <a:rPr lang="hu-HU" sz="2000" b="1" dirty="0"/>
-              <a:t>Route </a:t>
-            </a:r>
-            <a:r>
-              <a:rPr lang="hu-HU" sz="2000" b="1" dirty="0" err="1"/>
-              <a:t>Componensek</a:t>
-            </a:r>
-            <a:r>
-              <a:rPr lang="hu-HU" sz="2000" b="1" dirty="0"/>
-              <a:t> Regisztrálása és Használata</a:t>
+              <a:t>Route Komponensek Regisztrálása és Használata</a:t>
             </a:r>
           </a:p>
         </p:txBody>
@@ -3949,6 +4407,41 @@
             <a:r>
               <a:rPr lang="hu-HU" dirty="0"/>
               <a:t>Dinamikus link</a:t>
+            </a:r>
+          </a:p>
+        </p:txBody>
+      </p:sp>
+      <p:sp>
+        <p:nvSpPr>
+          <p:cNvPr id="11" name="Szövegdoboz 10">
+            <a:extLst>
+              <a:ext uri="{FF2B5EF4-FFF2-40B4-BE49-F238E27FC236}">
+                <a16:creationId xmlns:a16="http://schemas.microsoft.com/office/drawing/2014/main" id="{36167853-9DEF-46B2-98C4-044ADD4C1880}"/>
+              </a:ext>
+            </a:extLst>
+          </p:cNvPr>
+          <p:cNvSpPr txBox="1"/>
+          <p:nvPr/>
+        </p:nvSpPr>
+        <p:spPr>
+          <a:xfrm>
+            <a:off x="408373" y="336455"/>
+            <a:ext cx="941033" cy="369332"/>
+          </a:xfrm>
+          <a:prstGeom prst="rect">
+            <a:avLst/>
+          </a:prstGeom>
+          <a:noFill/>
+        </p:spPr>
+        <p:txBody>
+          <a:bodyPr wrap="square" rtlCol="0">
+            <a:spAutoFit/>
+          </a:bodyPr>
+          <a:lstStyle/>
+          <a:p>
+            <a:r>
+              <a:rPr lang="hu-HU" dirty="0"/>
+              <a:t>route.js</a:t>
             </a:r>
           </a:p>
         </p:txBody>
@@ -3997,7 +4490,7 @@
         </p:nvSpPr>
         <p:spPr>
           <a:xfrm>
-            <a:off x="3913387" y="290289"/>
+            <a:off x="3611547" y="266155"/>
             <a:ext cx="4458255" cy="461665"/>
           </a:xfrm>
           <a:prstGeom prst="rect">
@@ -4014,7 +4507,572 @@
             <a:pPr algn="ctr"/>
             <a:r>
               <a:rPr lang="hu-HU" sz="2400" b="1" dirty="0"/>
-              <a:t>Példák</a:t>
+              <a:t>Dinamikus Oldal</a:t>
+            </a:r>
+          </a:p>
+        </p:txBody>
+      </p:sp>
+      <p:pic>
+        <p:nvPicPr>
+          <p:cNvPr id="3" name="Kép 2">
+            <a:extLst>
+              <a:ext uri="{FF2B5EF4-FFF2-40B4-BE49-F238E27FC236}">
+                <a16:creationId xmlns:a16="http://schemas.microsoft.com/office/drawing/2014/main" id="{A1170B93-A621-472E-9F33-1701BDB59BEF}"/>
+              </a:ext>
+            </a:extLst>
+          </p:cNvPr>
+          <p:cNvPicPr>
+            <a:picLocks noChangeAspect="1"/>
+          </p:cNvPicPr>
+          <p:nvPr/>
+        </p:nvPicPr>
+        <p:blipFill>
+          <a:blip r:embed="rId2">
+            <a:extLst>
+              <a:ext uri="{28A0092B-C50C-407E-A947-70E740481C1C}">
+                <a14:useLocalDpi xmlns:a14="http://schemas.microsoft.com/office/drawing/2010/main" val="0"/>
+              </a:ext>
+            </a:extLst>
+          </a:blip>
+          <a:stretch>
+            <a:fillRect/>
+          </a:stretch>
+        </p:blipFill>
+        <p:spPr>
+          <a:xfrm>
+            <a:off x="737445" y="2667681"/>
+            <a:ext cx="3134162" cy="3553321"/>
+          </a:xfrm>
+          <a:prstGeom prst="rect">
+            <a:avLst/>
+          </a:prstGeom>
+        </p:spPr>
+      </p:pic>
+      <p:pic>
+        <p:nvPicPr>
+          <p:cNvPr id="6" name="Kép 5">
+            <a:extLst>
+              <a:ext uri="{FF2B5EF4-FFF2-40B4-BE49-F238E27FC236}">
+                <a16:creationId xmlns:a16="http://schemas.microsoft.com/office/drawing/2014/main" id="{0AD72BDE-F6FA-41B0-8355-603AA20D05F4}"/>
+              </a:ext>
+            </a:extLst>
+          </p:cNvPr>
+          <p:cNvPicPr>
+            <a:picLocks noChangeAspect="1"/>
+          </p:cNvPicPr>
+          <p:nvPr/>
+        </p:nvPicPr>
+        <p:blipFill>
+          <a:blip r:embed="rId3">
+            <a:extLst>
+              <a:ext uri="{28A0092B-C50C-407E-A947-70E740481C1C}">
+                <a14:useLocalDpi xmlns:a14="http://schemas.microsoft.com/office/drawing/2010/main" val="0"/>
+              </a:ext>
+            </a:extLst>
+          </a:blip>
+          <a:stretch>
+            <a:fillRect/>
+          </a:stretch>
+        </p:blipFill>
+        <p:spPr>
+          <a:xfrm>
+            <a:off x="780185" y="1125519"/>
+            <a:ext cx="2524477" cy="362001"/>
+          </a:xfrm>
+          <a:prstGeom prst="rect">
+            <a:avLst/>
+          </a:prstGeom>
+        </p:spPr>
+      </p:pic>
+      <p:pic>
+        <p:nvPicPr>
+          <p:cNvPr id="8" name="Kép 7">
+            <a:extLst>
+              <a:ext uri="{FF2B5EF4-FFF2-40B4-BE49-F238E27FC236}">
+                <a16:creationId xmlns:a16="http://schemas.microsoft.com/office/drawing/2014/main" id="{8545C705-EDBE-4FDC-849D-74120B760AC2}"/>
+              </a:ext>
+            </a:extLst>
+          </p:cNvPr>
+          <p:cNvPicPr>
+            <a:picLocks noChangeAspect="1"/>
+          </p:cNvPicPr>
+          <p:nvPr/>
+        </p:nvPicPr>
+        <p:blipFill>
+          <a:blip r:embed="rId4">
+            <a:extLst>
+              <a:ext uri="{28A0092B-C50C-407E-A947-70E740481C1C}">
+                <a14:useLocalDpi xmlns:a14="http://schemas.microsoft.com/office/drawing/2010/main" val="0"/>
+              </a:ext>
+            </a:extLst>
+          </a:blip>
+          <a:stretch>
+            <a:fillRect/>
+          </a:stretch>
+        </p:blipFill>
+        <p:spPr>
+          <a:xfrm>
+            <a:off x="4361585" y="1059362"/>
+            <a:ext cx="2734057" cy="1648055"/>
+          </a:xfrm>
+          <a:prstGeom prst="rect">
+            <a:avLst/>
+          </a:prstGeom>
+        </p:spPr>
+      </p:pic>
+      <p:pic>
+        <p:nvPicPr>
+          <p:cNvPr id="10" name="Kép 9">
+            <a:extLst>
+              <a:ext uri="{FF2B5EF4-FFF2-40B4-BE49-F238E27FC236}">
+                <a16:creationId xmlns:a16="http://schemas.microsoft.com/office/drawing/2014/main" id="{235742FC-42B3-4A36-B9A4-9ACC0E039A32}"/>
+              </a:ext>
+            </a:extLst>
+          </p:cNvPr>
+          <p:cNvPicPr>
+            <a:picLocks noChangeAspect="1"/>
+          </p:cNvPicPr>
+          <p:nvPr/>
+        </p:nvPicPr>
+        <p:blipFill>
+          <a:blip r:embed="rId5">
+            <a:extLst>
+              <a:ext uri="{28A0092B-C50C-407E-A947-70E740481C1C}">
+                <a14:useLocalDpi xmlns:a14="http://schemas.microsoft.com/office/drawing/2010/main" val="0"/>
+              </a:ext>
+            </a:extLst>
+          </a:blip>
+          <a:stretch>
+            <a:fillRect/>
+          </a:stretch>
+        </p:blipFill>
+        <p:spPr>
+          <a:xfrm>
+            <a:off x="7797451" y="886420"/>
+            <a:ext cx="3810532" cy="2610214"/>
+          </a:xfrm>
+          <a:prstGeom prst="rect">
+            <a:avLst/>
+          </a:prstGeom>
+        </p:spPr>
+      </p:pic>
+      <p:pic>
+        <p:nvPicPr>
+          <p:cNvPr id="12" name="Ábra 11">
+            <a:extLst>
+              <a:ext uri="{FF2B5EF4-FFF2-40B4-BE49-F238E27FC236}">
+                <a16:creationId xmlns:a16="http://schemas.microsoft.com/office/drawing/2014/main" id="{C6538507-23DB-4FD5-AAC1-8B1BE8740A6D}"/>
+              </a:ext>
+            </a:extLst>
+          </p:cNvPr>
+          <p:cNvPicPr>
+            <a:picLocks noChangeAspect="1"/>
+          </p:cNvPicPr>
+          <p:nvPr/>
+        </p:nvPicPr>
+        <p:blipFill>
+          <a:blip r:embed="rId6">
+            <a:extLst>
+              <a:ext uri="{28A0092B-C50C-407E-A947-70E740481C1C}">
+                <a14:useLocalDpi xmlns:a14="http://schemas.microsoft.com/office/drawing/2010/main" val="0"/>
+              </a:ext>
+              <a:ext uri="{96DAC541-7B7A-43D3-8B79-37D633B846F1}">
+                <asvg:svgBlip xmlns:asvg="http://schemas.microsoft.com/office/drawing/2016/SVG/main" r:embed="rId7"/>
+              </a:ext>
+            </a:extLst>
+          </a:blip>
+          <a:stretch>
+            <a:fillRect/>
+          </a:stretch>
+        </p:blipFill>
+        <p:spPr>
+          <a:xfrm>
+            <a:off x="2616584" y="3037574"/>
+            <a:ext cx="530973" cy="530973"/>
+          </a:xfrm>
+          <a:prstGeom prst="rect">
+            <a:avLst/>
+          </a:prstGeom>
+        </p:spPr>
+      </p:pic>
+      <p:cxnSp>
+        <p:nvCxnSpPr>
+          <p:cNvPr id="14" name="Egyenes összekötő nyíllal 13">
+            <a:extLst>
+              <a:ext uri="{FF2B5EF4-FFF2-40B4-BE49-F238E27FC236}">
+                <a16:creationId xmlns:a16="http://schemas.microsoft.com/office/drawing/2014/main" id="{E3B4AB26-2155-48B5-A2DD-C1F4580BCC0D}"/>
+              </a:ext>
+            </a:extLst>
+          </p:cNvPr>
+          <p:cNvCxnSpPr>
+            <a:cxnSpLocks/>
+            <a:stCxn id="12" idx="1"/>
+            <a:endCxn id="16" idx="2"/>
+          </p:cNvCxnSpPr>
+          <p:nvPr/>
+        </p:nvCxnSpPr>
+        <p:spPr>
+          <a:xfrm flipH="1" flipV="1">
+            <a:off x="1492769" y="2414924"/>
+            <a:ext cx="1123815" cy="888137"/>
+          </a:xfrm>
+          <a:prstGeom prst="straightConnector1">
+            <a:avLst/>
+          </a:prstGeom>
+          <a:ln>
+            <a:solidFill>
+              <a:schemeClr val="tx1">
+                <a:lumMod val="50000"/>
+                <a:lumOff val="50000"/>
+              </a:schemeClr>
+            </a:solidFill>
+            <a:tailEnd type="triangle"/>
+          </a:ln>
+        </p:spPr>
+        <p:style>
+          <a:lnRef idx="3">
+            <a:schemeClr val="dk1"/>
+          </a:lnRef>
+          <a:fillRef idx="0">
+            <a:schemeClr val="dk1"/>
+          </a:fillRef>
+          <a:effectRef idx="2">
+            <a:schemeClr val="dk1"/>
+          </a:effectRef>
+          <a:fontRef idx="minor">
+            <a:schemeClr val="tx1"/>
+          </a:fontRef>
+        </p:style>
+      </p:cxnSp>
+      <p:sp>
+        <p:nvSpPr>
+          <p:cNvPr id="16" name="Szövegdoboz 15">
+            <a:extLst>
+              <a:ext uri="{FF2B5EF4-FFF2-40B4-BE49-F238E27FC236}">
+                <a16:creationId xmlns:a16="http://schemas.microsoft.com/office/drawing/2014/main" id="{1E6B3746-0DE6-437A-815B-09B7ADE6F4B6}"/>
+              </a:ext>
+            </a:extLst>
+          </p:cNvPr>
+          <p:cNvSpPr txBox="1"/>
+          <p:nvPr/>
+        </p:nvSpPr>
+        <p:spPr>
+          <a:xfrm>
+            <a:off x="830876" y="2045592"/>
+            <a:ext cx="1323785" cy="369332"/>
+          </a:xfrm>
+          <a:prstGeom prst="rect">
+            <a:avLst/>
+          </a:prstGeom>
+          <a:noFill/>
+        </p:spPr>
+        <p:txBody>
+          <a:bodyPr wrap="square" rtlCol="0">
+            <a:spAutoFit/>
+          </a:bodyPr>
+          <a:lstStyle/>
+          <a:p>
+            <a:r>
+              <a:rPr lang="hu-HU" dirty="0"/>
+              <a:t>Termék ID =</a:t>
+            </a:r>
+          </a:p>
+        </p:txBody>
+      </p:sp>
+      <p:sp>
+        <p:nvSpPr>
+          <p:cNvPr id="17" name="Szövegdoboz 16">
+            <a:extLst>
+              <a:ext uri="{FF2B5EF4-FFF2-40B4-BE49-F238E27FC236}">
+                <a16:creationId xmlns:a16="http://schemas.microsoft.com/office/drawing/2014/main" id="{A942BAD0-2B9F-47B4-BB74-BF288044A868}"/>
+              </a:ext>
+            </a:extLst>
+          </p:cNvPr>
+          <p:cNvSpPr txBox="1"/>
+          <p:nvPr/>
+        </p:nvSpPr>
+        <p:spPr>
+          <a:xfrm>
+            <a:off x="2042424" y="2006861"/>
+            <a:ext cx="288862" cy="369332"/>
+          </a:xfrm>
+          <a:prstGeom prst="rect">
+            <a:avLst/>
+          </a:prstGeom>
+          <a:noFill/>
+        </p:spPr>
+        <p:txBody>
+          <a:bodyPr wrap="none" rtlCol="0">
+            <a:spAutoFit/>
+          </a:bodyPr>
+          <a:lstStyle/>
+          <a:p>
+            <a:r>
+              <a:rPr lang="hu-HU" dirty="0"/>
+              <a:t>3</a:t>
+            </a:r>
+          </a:p>
+        </p:txBody>
+      </p:sp>
+      <p:cxnSp>
+        <p:nvCxnSpPr>
+          <p:cNvPr id="20" name="Egyenes összekötő nyíllal 19">
+            <a:extLst>
+              <a:ext uri="{FF2B5EF4-FFF2-40B4-BE49-F238E27FC236}">
+                <a16:creationId xmlns:a16="http://schemas.microsoft.com/office/drawing/2014/main" id="{A043C680-A7DC-4122-9115-187995A6D907}"/>
+              </a:ext>
+            </a:extLst>
+          </p:cNvPr>
+          <p:cNvCxnSpPr>
+            <a:cxnSpLocks/>
+            <a:stCxn id="16" idx="0"/>
+            <a:endCxn id="6" idx="2"/>
+          </p:cNvCxnSpPr>
+          <p:nvPr/>
+        </p:nvCxnSpPr>
+        <p:spPr>
+          <a:xfrm flipV="1">
+            <a:off x="1492769" y="1487520"/>
+            <a:ext cx="549655" cy="558072"/>
+          </a:xfrm>
+          <a:prstGeom prst="straightConnector1">
+            <a:avLst/>
+          </a:prstGeom>
+          <a:ln>
+            <a:solidFill>
+              <a:schemeClr val="tx1">
+                <a:lumMod val="50000"/>
+                <a:lumOff val="50000"/>
+              </a:schemeClr>
+            </a:solidFill>
+            <a:tailEnd type="triangle"/>
+          </a:ln>
+        </p:spPr>
+        <p:style>
+          <a:lnRef idx="3">
+            <a:schemeClr val="dk1"/>
+          </a:lnRef>
+          <a:fillRef idx="0">
+            <a:schemeClr val="dk1"/>
+          </a:fillRef>
+          <a:effectRef idx="2">
+            <a:schemeClr val="dk1"/>
+          </a:effectRef>
+          <a:fontRef idx="minor">
+            <a:schemeClr val="tx1"/>
+          </a:fontRef>
+        </p:style>
+      </p:cxnSp>
+      <p:cxnSp>
+        <p:nvCxnSpPr>
+          <p:cNvPr id="24" name="Egyenes összekötő nyíllal 23">
+            <a:extLst>
+              <a:ext uri="{FF2B5EF4-FFF2-40B4-BE49-F238E27FC236}">
+                <a16:creationId xmlns:a16="http://schemas.microsoft.com/office/drawing/2014/main" id="{E07839E4-4C07-4A83-A7F7-9459B843B8B2}"/>
+              </a:ext>
+            </a:extLst>
+          </p:cNvPr>
+          <p:cNvCxnSpPr>
+            <a:cxnSpLocks/>
+            <a:stCxn id="6" idx="3"/>
+            <a:endCxn id="8" idx="1"/>
+          </p:cNvCxnSpPr>
+          <p:nvPr/>
+        </p:nvCxnSpPr>
+        <p:spPr>
+          <a:xfrm>
+            <a:off x="3304662" y="1306520"/>
+            <a:ext cx="1056923" cy="576870"/>
+          </a:xfrm>
+          <a:prstGeom prst="straightConnector1">
+            <a:avLst/>
+          </a:prstGeom>
+          <a:ln>
+            <a:solidFill>
+              <a:schemeClr val="tx1">
+                <a:lumMod val="50000"/>
+                <a:lumOff val="50000"/>
+              </a:schemeClr>
+            </a:solidFill>
+            <a:tailEnd type="triangle"/>
+          </a:ln>
+        </p:spPr>
+        <p:style>
+          <a:lnRef idx="3">
+            <a:schemeClr val="dk1"/>
+          </a:lnRef>
+          <a:fillRef idx="0">
+            <a:schemeClr val="dk1"/>
+          </a:fillRef>
+          <a:effectRef idx="2">
+            <a:schemeClr val="dk1"/>
+          </a:effectRef>
+          <a:fontRef idx="minor">
+            <a:schemeClr val="tx1"/>
+          </a:fontRef>
+        </p:style>
+      </p:cxnSp>
+      <p:cxnSp>
+        <p:nvCxnSpPr>
+          <p:cNvPr id="28" name="Egyenes összekötő nyíllal 27">
+            <a:extLst>
+              <a:ext uri="{FF2B5EF4-FFF2-40B4-BE49-F238E27FC236}">
+                <a16:creationId xmlns:a16="http://schemas.microsoft.com/office/drawing/2014/main" id="{507C7AF4-EEEB-492D-8B43-FE7CB5FF9AB1}"/>
+              </a:ext>
+            </a:extLst>
+          </p:cNvPr>
+          <p:cNvCxnSpPr>
+            <a:cxnSpLocks/>
+          </p:cNvCxnSpPr>
+          <p:nvPr/>
+        </p:nvCxnSpPr>
+        <p:spPr>
+          <a:xfrm>
+            <a:off x="6809173" y="1773292"/>
+            <a:ext cx="1180730" cy="272300"/>
+          </a:xfrm>
+          <a:prstGeom prst="straightConnector1">
+            <a:avLst/>
+          </a:prstGeom>
+          <a:ln>
+            <a:solidFill>
+              <a:schemeClr val="tx1">
+                <a:lumMod val="50000"/>
+                <a:lumOff val="50000"/>
+              </a:schemeClr>
+            </a:solidFill>
+            <a:tailEnd type="triangle"/>
+          </a:ln>
+        </p:spPr>
+        <p:style>
+          <a:lnRef idx="3">
+            <a:schemeClr val="dk1"/>
+          </a:lnRef>
+          <a:fillRef idx="0">
+            <a:schemeClr val="dk1"/>
+          </a:fillRef>
+          <a:effectRef idx="2">
+            <a:schemeClr val="dk1"/>
+          </a:effectRef>
+          <a:fontRef idx="minor">
+            <a:schemeClr val="tx1"/>
+          </a:fontRef>
+        </p:style>
+      </p:cxnSp>
+      <p:pic>
+        <p:nvPicPr>
+          <p:cNvPr id="33" name="Kép 32">
+            <a:extLst>
+              <a:ext uri="{FF2B5EF4-FFF2-40B4-BE49-F238E27FC236}">
+                <a16:creationId xmlns:a16="http://schemas.microsoft.com/office/drawing/2014/main" id="{E6551B8E-6D27-4E76-A2EE-F95657AA57D4}"/>
+              </a:ext>
+            </a:extLst>
+          </p:cNvPr>
+          <p:cNvPicPr>
+            <a:picLocks noChangeAspect="1"/>
+          </p:cNvPicPr>
+          <p:nvPr/>
+        </p:nvPicPr>
+        <p:blipFill>
+          <a:blip r:embed="rId8">
+            <a:extLst>
+              <a:ext uri="{28A0092B-C50C-407E-A947-70E740481C1C}">
+                <a14:useLocalDpi xmlns:a14="http://schemas.microsoft.com/office/drawing/2010/main" val="0"/>
+              </a:ext>
+            </a:extLst>
+          </a:blip>
+          <a:stretch>
+            <a:fillRect/>
+          </a:stretch>
+        </p:blipFill>
+        <p:spPr>
+          <a:xfrm>
+            <a:off x="4792718" y="2943262"/>
+            <a:ext cx="5339017" cy="3264169"/>
+          </a:xfrm>
+          <a:prstGeom prst="rect">
+            <a:avLst/>
+          </a:prstGeom>
+        </p:spPr>
+      </p:pic>
+      <p:cxnSp>
+        <p:nvCxnSpPr>
+          <p:cNvPr id="51" name="Egyenes összekötő nyíllal 50">
+            <a:extLst>
+              <a:ext uri="{FF2B5EF4-FFF2-40B4-BE49-F238E27FC236}">
+                <a16:creationId xmlns:a16="http://schemas.microsoft.com/office/drawing/2014/main" id="{D2C45C4C-12E6-45BE-A51A-7927827E4A50}"/>
+              </a:ext>
+            </a:extLst>
+          </p:cNvPr>
+          <p:cNvCxnSpPr>
+            <a:cxnSpLocks/>
+          </p:cNvCxnSpPr>
+          <p:nvPr/>
+        </p:nvCxnSpPr>
+        <p:spPr>
+          <a:xfrm flipH="1">
+            <a:off x="9425148" y="3199215"/>
+            <a:ext cx="1886643" cy="1554523"/>
+          </a:xfrm>
+          <a:prstGeom prst="straightConnector1">
+            <a:avLst/>
+          </a:prstGeom>
+          <a:ln>
+            <a:solidFill>
+              <a:schemeClr val="tx1">
+                <a:lumMod val="50000"/>
+                <a:lumOff val="50000"/>
+              </a:schemeClr>
+            </a:solidFill>
+            <a:tailEnd type="triangle"/>
+          </a:ln>
+        </p:spPr>
+        <p:style>
+          <a:lnRef idx="3">
+            <a:schemeClr val="dk1"/>
+          </a:lnRef>
+          <a:fillRef idx="0">
+            <a:schemeClr val="dk1"/>
+          </a:fillRef>
+          <a:effectRef idx="2">
+            <a:schemeClr val="dk1"/>
+          </a:effectRef>
+          <a:fontRef idx="minor">
+            <a:schemeClr val="tx1"/>
+          </a:fontRef>
+        </p:style>
+      </p:cxnSp>
+      <p:sp>
+        <p:nvSpPr>
+          <p:cNvPr id="57" name="Szövegdoboz 56">
+            <a:extLst>
+              <a:ext uri="{FF2B5EF4-FFF2-40B4-BE49-F238E27FC236}">
+                <a16:creationId xmlns:a16="http://schemas.microsoft.com/office/drawing/2014/main" id="{0F6E5EDA-1CC0-4FDA-882B-E7D4FC046954}"/>
+              </a:ext>
+            </a:extLst>
+          </p:cNvPr>
+          <p:cNvSpPr txBox="1"/>
+          <p:nvPr/>
+        </p:nvSpPr>
+        <p:spPr>
+          <a:xfrm>
+            <a:off x="408373" y="336455"/>
+            <a:ext cx="1828800" cy="369332"/>
+          </a:xfrm>
+          <a:prstGeom prst="rect">
+            <a:avLst/>
+          </a:prstGeom>
+          <a:noFill/>
+        </p:spPr>
+        <p:txBody>
+          <a:bodyPr wrap="square" rtlCol="0">
+            <a:spAutoFit/>
+          </a:bodyPr>
+          <a:lstStyle/>
+          <a:p>
+            <a:r>
+              <a:rPr lang="hu-HU" dirty="0"/>
+              <a:t>termekOldal.vue</a:t>
             </a:r>
           </a:p>
         </p:txBody>
@@ -4023,6 +5081,262 @@
     <p:extLst>
       <p:ext uri="{BB962C8B-B14F-4D97-AF65-F5344CB8AC3E}">
         <p14:creationId xmlns:p14="http://schemas.microsoft.com/office/powerpoint/2010/main" val="101977085"/>
+      </p:ext>
+    </p:extLst>
+  </p:cSld>
+  <p:clrMapOvr>
+    <a:masterClrMapping/>
+  </p:clrMapOvr>
+</p:sld>
+</file>
+
+<file path=ppt/slides/slide5.xml><?xml version="1.0" encoding="utf-8"?>
+<p:sld xmlns:a="http://schemas.openxmlformats.org/drawingml/2006/main" xmlns:r="http://schemas.openxmlformats.org/officeDocument/2006/relationships" xmlns:p="http://schemas.openxmlformats.org/presentationml/2006/main">
+  <p:cSld>
+    <p:spTree>
+      <p:nvGrpSpPr>
+        <p:cNvPr id="1" name=""/>
+        <p:cNvGrpSpPr/>
+        <p:nvPr/>
+      </p:nvGrpSpPr>
+      <p:grpSpPr>
+        <a:xfrm>
+          <a:off x="0" y="0"/>
+          <a:ext cx="0" cy="0"/>
+          <a:chOff x="0" y="0"/>
+          <a:chExt cx="0" cy="0"/>
+        </a:xfrm>
+      </p:grpSpPr>
+      <p:pic>
+        <p:nvPicPr>
+          <p:cNvPr id="5" name="Kép 4">
+            <a:extLst>
+              <a:ext uri="{FF2B5EF4-FFF2-40B4-BE49-F238E27FC236}">
+                <a16:creationId xmlns:a16="http://schemas.microsoft.com/office/drawing/2014/main" id="{88D9BF90-3EA8-48F6-AF2A-98B60777A03E}"/>
+              </a:ext>
+            </a:extLst>
+          </p:cNvPr>
+          <p:cNvPicPr>
+            <a:picLocks noChangeAspect="1"/>
+          </p:cNvPicPr>
+          <p:nvPr/>
+        </p:nvPicPr>
+        <p:blipFill>
+          <a:blip r:embed="rId2">
+            <a:extLst>
+              <a:ext uri="{28A0092B-C50C-407E-A947-70E740481C1C}">
+                <a14:useLocalDpi xmlns:a14="http://schemas.microsoft.com/office/drawing/2010/main" val="0"/>
+              </a:ext>
+            </a:extLst>
+          </a:blip>
+          <a:stretch>
+            <a:fillRect/>
+          </a:stretch>
+        </p:blipFill>
+        <p:spPr>
+          <a:xfrm>
+            <a:off x="6727153" y="1810427"/>
+            <a:ext cx="3886742" cy="1238423"/>
+          </a:xfrm>
+          <a:prstGeom prst="rect">
+            <a:avLst/>
+          </a:prstGeom>
+        </p:spPr>
+      </p:pic>
+      <p:pic>
+        <p:nvPicPr>
+          <p:cNvPr id="7" name="Kép 6">
+            <a:extLst>
+              <a:ext uri="{FF2B5EF4-FFF2-40B4-BE49-F238E27FC236}">
+                <a16:creationId xmlns:a16="http://schemas.microsoft.com/office/drawing/2014/main" id="{5D2FA8F2-DD3E-4400-84F5-5F2647CB33AB}"/>
+              </a:ext>
+            </a:extLst>
+          </p:cNvPr>
+          <p:cNvPicPr>
+            <a:picLocks noChangeAspect="1"/>
+          </p:cNvPicPr>
+          <p:nvPr/>
+        </p:nvPicPr>
+        <p:blipFill>
+          <a:blip r:embed="rId3">
+            <a:extLst>
+              <a:ext uri="{28A0092B-C50C-407E-A947-70E740481C1C}">
+                <a14:useLocalDpi xmlns:a14="http://schemas.microsoft.com/office/drawing/2010/main" val="0"/>
+              </a:ext>
+            </a:extLst>
+          </a:blip>
+          <a:stretch>
+            <a:fillRect/>
+          </a:stretch>
+        </p:blipFill>
+        <p:spPr>
+          <a:xfrm>
+            <a:off x="4008290" y="4936723"/>
+            <a:ext cx="3524742" cy="285790"/>
+          </a:xfrm>
+          <a:prstGeom prst="rect">
+            <a:avLst/>
+          </a:prstGeom>
+        </p:spPr>
+      </p:pic>
+      <p:pic>
+        <p:nvPicPr>
+          <p:cNvPr id="9" name="Kép 8">
+            <a:extLst>
+              <a:ext uri="{FF2B5EF4-FFF2-40B4-BE49-F238E27FC236}">
+                <a16:creationId xmlns:a16="http://schemas.microsoft.com/office/drawing/2014/main" id="{656DE462-5E98-4427-8F6B-519BC66014AD}"/>
+              </a:ext>
+            </a:extLst>
+          </p:cNvPr>
+          <p:cNvPicPr>
+            <a:picLocks noChangeAspect="1"/>
+          </p:cNvPicPr>
+          <p:nvPr/>
+        </p:nvPicPr>
+        <p:blipFill>
+          <a:blip r:embed="rId4">
+            <a:extLst>
+              <a:ext uri="{28A0092B-C50C-407E-A947-70E740481C1C}">
+                <a14:useLocalDpi xmlns:a14="http://schemas.microsoft.com/office/drawing/2010/main" val="0"/>
+              </a:ext>
+            </a:extLst>
+          </a:blip>
+          <a:stretch>
+            <a:fillRect/>
+          </a:stretch>
+        </p:blipFill>
+        <p:spPr>
+          <a:xfrm>
+            <a:off x="1274233" y="1810427"/>
+            <a:ext cx="2734057" cy="981212"/>
+          </a:xfrm>
+          <a:prstGeom prst="rect">
+            <a:avLst/>
+          </a:prstGeom>
+        </p:spPr>
+      </p:pic>
+      <p:sp>
+        <p:nvSpPr>
+          <p:cNvPr id="2" name="Szövegdoboz 1">
+            <a:extLst>
+              <a:ext uri="{FF2B5EF4-FFF2-40B4-BE49-F238E27FC236}">
+                <a16:creationId xmlns:a16="http://schemas.microsoft.com/office/drawing/2014/main" id="{A99A4A1C-3F62-40C7-A410-51261F8F2791}"/>
+              </a:ext>
+            </a:extLst>
+          </p:cNvPr>
+          <p:cNvSpPr txBox="1"/>
+          <p:nvPr/>
+        </p:nvSpPr>
+        <p:spPr>
+          <a:xfrm>
+            <a:off x="2010946" y="1266155"/>
+            <a:ext cx="1260629" cy="369332"/>
+          </a:xfrm>
+          <a:prstGeom prst="rect">
+            <a:avLst/>
+          </a:prstGeom>
+          <a:noFill/>
+        </p:spPr>
+        <p:txBody>
+          <a:bodyPr wrap="square" rtlCol="0">
+            <a:spAutoFit/>
+          </a:bodyPr>
+          <a:lstStyle/>
+          <a:p>
+            <a:r>
+              <a:rPr lang="hu-HU" dirty="0"/>
+              <a:t>Route </a:t>
+            </a:r>
+            <a:r>
+              <a:rPr lang="hu-HU" dirty="0" err="1"/>
+              <a:t>view</a:t>
+            </a:r>
+            <a:r>
+              <a:rPr lang="hu-HU" dirty="0"/>
+              <a:t> </a:t>
+            </a:r>
+          </a:p>
+        </p:txBody>
+      </p:sp>
+      <p:sp>
+        <p:nvSpPr>
+          <p:cNvPr id="6" name="Szövegdoboz 5">
+            <a:extLst>
+              <a:ext uri="{FF2B5EF4-FFF2-40B4-BE49-F238E27FC236}">
+                <a16:creationId xmlns:a16="http://schemas.microsoft.com/office/drawing/2014/main" id="{E06AE6FF-4CCB-4127-938E-9EDCE322179E}"/>
+              </a:ext>
+            </a:extLst>
+          </p:cNvPr>
+          <p:cNvSpPr txBox="1"/>
+          <p:nvPr/>
+        </p:nvSpPr>
+        <p:spPr>
+          <a:xfrm>
+            <a:off x="8040209" y="1266155"/>
+            <a:ext cx="1260629" cy="369332"/>
+          </a:xfrm>
+          <a:prstGeom prst="rect">
+            <a:avLst/>
+          </a:prstGeom>
+          <a:noFill/>
+        </p:spPr>
+        <p:txBody>
+          <a:bodyPr wrap="square" rtlCol="0">
+            <a:spAutoFit/>
+          </a:bodyPr>
+          <a:lstStyle/>
+          <a:p>
+            <a:r>
+              <a:rPr lang="hu-HU" dirty="0"/>
+              <a:t>Route </a:t>
+            </a:r>
+            <a:r>
+              <a:rPr lang="hu-HU" dirty="0" err="1"/>
+              <a:t>bind</a:t>
+            </a:r>
+            <a:endParaRPr lang="hu-HU" dirty="0"/>
+          </a:p>
+        </p:txBody>
+      </p:sp>
+      <p:sp>
+        <p:nvSpPr>
+          <p:cNvPr id="8" name="Szövegdoboz 7">
+            <a:extLst>
+              <a:ext uri="{FF2B5EF4-FFF2-40B4-BE49-F238E27FC236}">
+                <a16:creationId xmlns:a16="http://schemas.microsoft.com/office/drawing/2014/main" id="{40DC4CF4-95A8-4063-99AF-ADBB37CB8554}"/>
+              </a:ext>
+            </a:extLst>
+          </p:cNvPr>
+          <p:cNvSpPr txBox="1"/>
+          <p:nvPr/>
+        </p:nvSpPr>
+        <p:spPr>
+          <a:xfrm>
+            <a:off x="4814168" y="4440317"/>
+            <a:ext cx="1912985" cy="369332"/>
+          </a:xfrm>
+          <a:prstGeom prst="rect">
+            <a:avLst/>
+          </a:prstGeom>
+          <a:noFill/>
+        </p:spPr>
+        <p:txBody>
+          <a:bodyPr wrap="square" rtlCol="0">
+            <a:spAutoFit/>
+          </a:bodyPr>
+          <a:lstStyle/>
+          <a:p>
+            <a:r>
+              <a:rPr lang="hu-HU" dirty="0"/>
+              <a:t>Route átirányítás</a:t>
+            </a:r>
+          </a:p>
+        </p:txBody>
+      </p:sp>
+    </p:spTree>
+    <p:extLst>
+      <p:ext uri="{BB962C8B-B14F-4D97-AF65-F5344CB8AC3E}">
+        <p14:creationId xmlns:p14="http://schemas.microsoft.com/office/powerpoint/2010/main" val="180994774"/>
       </p:ext>
     </p:extLst>
   </p:cSld>
